--- a/Rare_Disease_RAG.pptx
+++ b/Rare_Disease_RAG.pptx
@@ -3409,12 +3409,12 @@
         <p:spPr>
           <a:xfrm>
             <a:off x="628650" y="1929384"/>
-            <a:ext cx="7886700" cy="4251960"/>
+            <a:ext cx="7886700" cy="3886954"/>
           </a:xfrm>
         </p:spPr>
         <p:txBody>
           <a:bodyPr>
-            <a:normAutofit fontScale="92500" lnSpcReduction="20000"/>
+            <a:normAutofit fontScale="77500" lnSpcReduction="20000"/>
           </a:bodyPr>
           <a:lstStyle/>
           <a:p>
@@ -3429,14 +3429,14 @@
               <a:buChar char="•"/>
             </a:pPr>
             <a:r>
-              <a:rPr lang="en-US" sz="1800" b="1" i="0" dirty="0">
+              <a:rPr lang="en-US" sz="2300" b="1" i="0" dirty="0">
                 <a:effectLst/>
                 <a:latin typeface="Segoe Sans"/>
               </a:rPr>
               <a:t>Rare diseases affect millions</a:t>
             </a:r>
             <a:r>
-              <a:rPr lang="en-US" sz="1800" b="0" i="0" dirty="0">
+              <a:rPr lang="en-US" sz="2300" b="0" i="0" dirty="0">
                 <a:effectLst/>
                 <a:latin typeface="Segoe Sans"/>
               </a:rPr>
@@ -3455,14 +3455,14 @@
               <a:buChar char="•"/>
             </a:pPr>
             <a:r>
-              <a:rPr lang="en-US" sz="1800" b="1" i="0" dirty="0">
+              <a:rPr lang="en-US" sz="2300" b="1" i="0" dirty="0">
                 <a:effectLst/>
                 <a:latin typeface="Segoe Sans"/>
               </a:rPr>
               <a:t>Clinicians struggle to find reliable, evidence-based answers quickly</a:t>
             </a:r>
             <a:r>
-              <a:rPr lang="en-US" sz="1800" b="0" i="0" dirty="0">
+              <a:rPr lang="en-US" sz="2300" b="0" i="0" dirty="0">
                 <a:effectLst/>
                 <a:latin typeface="Segoe Sans"/>
               </a:rPr>
@@ -3481,28 +3481,28 @@
               <a:buChar char="•"/>
             </a:pPr>
             <a:r>
-              <a:rPr lang="en-US" sz="1800" b="1" i="0" dirty="0">
+              <a:rPr lang="en-US" sz="2300" b="1" i="0" dirty="0">
                 <a:effectLst/>
                 <a:latin typeface="Segoe Sans"/>
               </a:rPr>
               <a:t>Goal:</a:t>
             </a:r>
             <a:r>
-              <a:rPr lang="en-US" sz="1800" b="0" i="0" dirty="0">
+              <a:rPr lang="en-US" sz="2300" b="0" i="0" dirty="0">
                 <a:effectLst/>
                 <a:latin typeface="Segoe Sans"/>
               </a:rPr>
               <a:t> Build a trustworthy AI assistant for 20</a:t>
             </a:r>
             <a:r>
-              <a:rPr lang="en-US" sz="1800" b="0" i="0" baseline="30000" dirty="0">
+              <a:rPr lang="en-US" sz="2300" b="0" i="0" baseline="30000" dirty="0">
                 <a:effectLst/>
                 <a:latin typeface="Segoe Sans"/>
               </a:rPr>
               <a:t>A</a:t>
             </a:r>
             <a:r>
-              <a:rPr lang="en-US" sz="1800" b="0" i="0" dirty="0">
+              <a:rPr lang="en-US" sz="2300" b="0" i="0" dirty="0">
                 <a:effectLst/>
                 <a:latin typeface="Segoe Sans"/>
               </a:rPr>
@@ -3571,16 +3571,129 @@
             </a:endParaRPr>
           </a:p>
           <a:p>
-            <a:pPr marL="0" indent="0">
+            <a:pPr>
               <a:spcBef>
                 <a:spcPts val="300"/>
               </a:spcBef>
               <a:spcAft>
                 <a:spcPts val="300"/>
               </a:spcAft>
-              <a:buNone/>
             </a:pPr>
             <a:endParaRPr lang="en-US" sz="1800" b="0" i="0" dirty="0">
+              <a:effectLst/>
+              <a:latin typeface="Segoe Sans"/>
+            </a:endParaRPr>
+          </a:p>
+          <a:p>
+            <a:pPr marL="342900" indent="-342900">
+              <a:spcBef>
+                <a:spcPts val="300"/>
+              </a:spcBef>
+              <a:spcAft>
+                <a:spcPts val="300"/>
+              </a:spcAft>
+              <a:buFont typeface="+mj-lt"/>
+              <a:buAutoNum type="arabicPeriod"/>
+            </a:pPr>
+            <a:r>
+              <a:rPr lang="en-US" sz="1800" b="0" i="0" dirty="0">
+                <a:effectLst/>
+                <a:latin typeface="Segoe Sans"/>
+              </a:rPr>
+              <a:t>Cystic Fibrosis (CF):"What are two significant CFTR gene mutations, their associated clinical symptoms, and novel therapeutic approaches in clinical trials for these mutations?“</a:t>
+            </a:r>
+          </a:p>
+          <a:p>
+            <a:pPr marL="342900" indent="-342900">
+              <a:spcBef>
+                <a:spcPts val="300"/>
+              </a:spcBef>
+              <a:spcAft>
+                <a:spcPts val="300"/>
+              </a:spcAft>
+              <a:buFont typeface="+mj-lt"/>
+              <a:buAutoNum type="arabicPeriod"/>
+            </a:pPr>
+            <a:r>
+              <a:rPr lang="en-US" sz="1800" b="0" i="0" dirty="0">
+                <a:effectLst/>
+                <a:latin typeface="Segoe Sans"/>
+              </a:rPr>
+              <a:t>Huntington's </a:t>
+            </a:r>
+            <a:r>
+              <a:rPr lang="en-US" sz="1800" b="0" i="0" dirty="0" err="1">
+                <a:effectLst/>
+                <a:latin typeface="Segoe Sans"/>
+              </a:rPr>
+              <a:t>Disease:"Detail</a:t>
+            </a:r>
+            <a:r>
+              <a:rPr lang="en-US" sz="1800" b="0" i="0" dirty="0">
+                <a:effectLst/>
+                <a:latin typeface="Segoe Sans"/>
+              </a:rPr>
+              <a:t> the genetic anomaly, typical progression of motor and cognitive symptoms, and two advanced gene-targeting or neuroprotective strategies for Huntington's Disease.“</a:t>
+            </a:r>
+          </a:p>
+          <a:p>
+            <a:pPr marL="342900" indent="-342900">
+              <a:spcBef>
+                <a:spcPts val="300"/>
+              </a:spcBef>
+              <a:spcAft>
+                <a:spcPts val="300"/>
+              </a:spcAft>
+              <a:buFont typeface="+mj-lt"/>
+              <a:buAutoNum type="arabicPeriod"/>
+            </a:pPr>
+            <a:r>
+              <a:rPr lang="en-US" sz="1800" b="0" i="0" dirty="0">
+                <a:effectLst/>
+                <a:latin typeface="Segoe Sans"/>
+              </a:rPr>
+              <a:t>Duchenne Muscular Dystrophy (DMD):"What is the primary gene affected, earliest clinical signs, and latest advancements in exon-skipping or gene replacement therapies for Duchenne Muscular Dystrophy?</a:t>
+            </a:r>
+          </a:p>
+        </p:txBody>
+      </p:sp>
+      <p:sp>
+        <p:nvSpPr>
+          <p:cNvPr id="23" name="TextBox 22">
+            <a:extLst>
+              <a:ext uri="{FF2B5EF4-FFF2-40B4-BE49-F238E27FC236}">
+                <a16:creationId xmlns:a16="http://schemas.microsoft.com/office/drawing/2014/main" id="{0C62DA2B-4BCC-0698-9FFE-343C673ADF93}"/>
+              </a:ext>
+            </a:extLst>
+          </p:cNvPr>
+          <p:cNvSpPr txBox="1"/>
+          <p:nvPr/>
+        </p:nvSpPr>
+        <p:spPr>
+          <a:xfrm>
+            <a:off x="954465" y="5628043"/>
+            <a:ext cx="6794368" cy="784830"/>
+          </a:xfrm>
+          <a:prstGeom prst="rect">
+            <a:avLst/>
+          </a:prstGeom>
+          <a:noFill/>
+        </p:spPr>
+        <p:txBody>
+          <a:bodyPr wrap="square">
+            <a:spAutoFit/>
+          </a:bodyPr>
+          <a:lstStyle/>
+          <a:p>
+            <a:pPr>
+              <a:spcBef>
+                <a:spcPts val="300"/>
+              </a:spcBef>
+              <a:spcAft>
+                <a:spcPts val="300"/>
+              </a:spcAft>
+            </a:pPr>
+            <a:endParaRPr lang="en-US" sz="800" b="0" i="0" dirty="0">
               <a:effectLst/>
               <a:latin typeface="Segoe Sans"/>
             </a:endParaRPr>
@@ -3596,49 +3709,19 @@
               <a:buFont typeface="Arial" panose="020B0604020202020204" pitchFamily="34" charset="0"/>
               <a:buChar char="•"/>
             </a:pPr>
-            <a:endParaRPr lang="en-US" sz="1800" dirty="0">
-              <a:latin typeface="Segoe Sans"/>
-            </a:endParaRPr>
-          </a:p>
-          <a:p>
-            <a:pPr>
-              <a:spcBef>
-                <a:spcPts val="300"/>
-              </a:spcBef>
-              <a:spcAft>
-                <a:spcPts val="300"/>
-              </a:spcAft>
-              <a:buFont typeface="Arial" panose="020B0604020202020204" pitchFamily="34" charset="0"/>
-              <a:buChar char="•"/>
-            </a:pPr>
-            <a:r>
-              <a:rPr lang="en-US" sz="1800" baseline="30000" dirty="0">
+            <a:r>
+              <a:rPr lang="en-US" sz="800" baseline="30000" dirty="0">
                 <a:latin typeface="Segoe Sans"/>
               </a:rPr>
               <a:t>A </a:t>
             </a:r>
             <a:r>
-              <a:rPr lang="en-US" sz="1800" b="0" i="0" dirty="0">
+              <a:rPr lang="en-US" sz="800" b="0" i="0" dirty="0">
                 <a:effectLst/>
                 <a:latin typeface="Segoe Sans"/>
               </a:rPr>
               <a:t>Diseases list: Cystic Fibrosis, Huntington's Disease, Duchenne Muscular Dystrophy, Spinal Muscular Atrophy, Hemophilia A, Hemophilia B, Gaucher Disease, Pompe Disease, Neurofibromatosis Type 1, Prader-Willi Syndrome, Angelman Syndrome, Rett Syndrome, Fragile X Syndrome, Phenylketonuria, Alpha-1 Antitrypsin Deficiency, Marfan Syndrome, Ehlers-Danlos Syndrome (Hypermobile Type), Sickle Cell Anemia, Thalassemia Major, Crigler-Najjar Syndrome Type 1</a:t>
             </a:r>
-          </a:p>
-          <a:p>
-            <a:pPr marL="0" indent="0">
-              <a:spcBef>
-                <a:spcPts val="300"/>
-              </a:spcBef>
-              <a:spcAft>
-                <a:spcPts val="300"/>
-              </a:spcAft>
-              <a:buNone/>
-            </a:pPr>
-            <a:endParaRPr lang="en-US" sz="1800" b="0" i="0" dirty="0">
-              <a:effectLst/>
-              <a:latin typeface="Segoe Sans"/>
-            </a:endParaRPr>
           </a:p>
         </p:txBody>
       </p:sp>
